--- a/image/랭킹웹사이트 프로토타입.pptx
+++ b/image/랭킹웹사이트 프로토타입.pptx
@@ -13,6 +13,8 @@
     <p:sldId id="258" r:id="rId7"/>
     <p:sldId id="265" r:id="rId8"/>
     <p:sldId id="266" r:id="rId9"/>
+    <p:sldId id="268" r:id="rId10"/>
+    <p:sldId id="269" r:id="rId11"/>
   </p:sldIdLst>
   <p:sldSz cx="12192000" cy="6858000"/>
   <p:notesSz cx="6858000" cy="9144000"/>
@@ -250,7 +252,7 @@
           <a:p>
             <a:fld id="{F253FD21-D5AE-44F6-89C7-C6D81E562A8A}" type="datetimeFigureOut">
               <a:rPr lang="ko-KR" altLang="en-US" smtClean="0"/>
-              <a:t>2021-05-25</a:t>
+              <a:t>2021-05-26</a:t>
             </a:fld>
             <a:endParaRPr lang="ko-KR" altLang="en-US"/>
           </a:p>
@@ -420,7 +422,7 @@
           <a:p>
             <a:fld id="{F253FD21-D5AE-44F6-89C7-C6D81E562A8A}" type="datetimeFigureOut">
               <a:rPr lang="ko-KR" altLang="en-US" smtClean="0"/>
-              <a:t>2021-05-25</a:t>
+              <a:t>2021-05-26</a:t>
             </a:fld>
             <a:endParaRPr lang="ko-KR" altLang="en-US"/>
           </a:p>
@@ -600,7 +602,7 @@
           <a:p>
             <a:fld id="{F253FD21-D5AE-44F6-89C7-C6D81E562A8A}" type="datetimeFigureOut">
               <a:rPr lang="ko-KR" altLang="en-US" smtClean="0"/>
-              <a:t>2021-05-25</a:t>
+              <a:t>2021-05-26</a:t>
             </a:fld>
             <a:endParaRPr lang="ko-KR" altLang="en-US"/>
           </a:p>
@@ -770,7 +772,7 @@
           <a:p>
             <a:fld id="{F253FD21-D5AE-44F6-89C7-C6D81E562A8A}" type="datetimeFigureOut">
               <a:rPr lang="ko-KR" altLang="en-US" smtClean="0"/>
-              <a:t>2021-05-25</a:t>
+              <a:t>2021-05-26</a:t>
             </a:fld>
             <a:endParaRPr lang="ko-KR" altLang="en-US"/>
           </a:p>
@@ -1016,7 +1018,7 @@
           <a:p>
             <a:fld id="{F253FD21-D5AE-44F6-89C7-C6D81E562A8A}" type="datetimeFigureOut">
               <a:rPr lang="ko-KR" altLang="en-US" smtClean="0"/>
-              <a:t>2021-05-25</a:t>
+              <a:t>2021-05-26</a:t>
             </a:fld>
             <a:endParaRPr lang="ko-KR" altLang="en-US"/>
           </a:p>
@@ -1248,7 +1250,7 @@
           <a:p>
             <a:fld id="{F253FD21-D5AE-44F6-89C7-C6D81E562A8A}" type="datetimeFigureOut">
               <a:rPr lang="ko-KR" altLang="en-US" smtClean="0"/>
-              <a:t>2021-05-25</a:t>
+              <a:t>2021-05-26</a:t>
             </a:fld>
             <a:endParaRPr lang="ko-KR" altLang="en-US"/>
           </a:p>
@@ -1615,7 +1617,7 @@
           <a:p>
             <a:fld id="{F253FD21-D5AE-44F6-89C7-C6D81E562A8A}" type="datetimeFigureOut">
               <a:rPr lang="ko-KR" altLang="en-US" smtClean="0"/>
-              <a:t>2021-05-25</a:t>
+              <a:t>2021-05-26</a:t>
             </a:fld>
             <a:endParaRPr lang="ko-KR" altLang="en-US"/>
           </a:p>
@@ -1733,7 +1735,7 @@
           <a:p>
             <a:fld id="{F253FD21-D5AE-44F6-89C7-C6D81E562A8A}" type="datetimeFigureOut">
               <a:rPr lang="ko-KR" altLang="en-US" smtClean="0"/>
-              <a:t>2021-05-25</a:t>
+              <a:t>2021-05-26</a:t>
             </a:fld>
             <a:endParaRPr lang="ko-KR" altLang="en-US"/>
           </a:p>
@@ -1828,7 +1830,7 @@
           <a:p>
             <a:fld id="{F253FD21-D5AE-44F6-89C7-C6D81E562A8A}" type="datetimeFigureOut">
               <a:rPr lang="ko-KR" altLang="en-US" smtClean="0"/>
-              <a:t>2021-05-25</a:t>
+              <a:t>2021-05-26</a:t>
             </a:fld>
             <a:endParaRPr lang="ko-KR" altLang="en-US"/>
           </a:p>
@@ -2105,7 +2107,7 @@
           <a:p>
             <a:fld id="{F253FD21-D5AE-44F6-89C7-C6D81E562A8A}" type="datetimeFigureOut">
               <a:rPr lang="ko-KR" altLang="en-US" smtClean="0"/>
-              <a:t>2021-05-25</a:t>
+              <a:t>2021-05-26</a:t>
             </a:fld>
             <a:endParaRPr lang="ko-KR" altLang="en-US"/>
           </a:p>
@@ -2358,7 +2360,7 @@
           <a:p>
             <a:fld id="{F253FD21-D5AE-44F6-89C7-C6D81E562A8A}" type="datetimeFigureOut">
               <a:rPr lang="ko-KR" altLang="en-US" smtClean="0"/>
-              <a:t>2021-05-25</a:t>
+              <a:t>2021-05-26</a:t>
             </a:fld>
             <a:endParaRPr lang="ko-KR" altLang="en-US"/>
           </a:p>
@@ -2571,7 +2573,7 @@
           <a:p>
             <a:fld id="{F253FD21-D5AE-44F6-89C7-C6D81E562A8A}" type="datetimeFigureOut">
               <a:rPr lang="ko-KR" altLang="en-US" smtClean="0"/>
-              <a:t>2021-05-25</a:t>
+              <a:t>2021-05-26</a:t>
             </a:fld>
             <a:endParaRPr lang="ko-KR" altLang="en-US"/>
           </a:p>
@@ -3248,7 +3250,7 @@
         </p:nvSpPr>
         <p:spPr>
           <a:xfrm>
-            <a:off x="1242240" y="1202214"/>
+            <a:off x="1242240" y="1318592"/>
             <a:ext cx="9451498" cy="962952"/>
           </a:xfrm>
           <a:prstGeom prst="rect">
@@ -3294,7 +3296,7 @@
         </p:nvCxnSpPr>
         <p:spPr>
           <a:xfrm>
-            <a:off x="2278021" y="1218398"/>
+            <a:off x="2278021" y="1334776"/>
             <a:ext cx="8092" cy="946768"/>
           </a:xfrm>
           <a:prstGeom prst="line">
@@ -3329,7 +3331,7 @@
         </p:nvCxnSpPr>
         <p:spPr>
           <a:xfrm>
-            <a:off x="3321894" y="1218398"/>
+            <a:off x="3321894" y="1334776"/>
             <a:ext cx="8092" cy="946768"/>
           </a:xfrm>
           <a:prstGeom prst="line">
@@ -3364,7 +3366,7 @@
         </p:nvCxnSpPr>
         <p:spPr>
           <a:xfrm>
-            <a:off x="4365767" y="1202214"/>
+            <a:off x="4365767" y="1318592"/>
             <a:ext cx="8092" cy="946768"/>
           </a:xfrm>
           <a:prstGeom prst="line">
@@ -3399,7 +3401,7 @@
         </p:nvCxnSpPr>
         <p:spPr>
           <a:xfrm>
-            <a:off x="5409640" y="1210306"/>
+            <a:off x="5409640" y="1326684"/>
             <a:ext cx="8092" cy="946768"/>
           </a:xfrm>
           <a:prstGeom prst="line">
@@ -3434,7 +3436,7 @@
         </p:nvCxnSpPr>
         <p:spPr>
           <a:xfrm>
-            <a:off x="6451945" y="1202214"/>
+            <a:off x="6451945" y="1318592"/>
             <a:ext cx="8092" cy="946768"/>
           </a:xfrm>
           <a:prstGeom prst="line">
@@ -3469,7 +3471,7 @@
         </p:nvCxnSpPr>
         <p:spPr>
           <a:xfrm>
-            <a:off x="7494250" y="1218398"/>
+            <a:off x="7494250" y="1334776"/>
             <a:ext cx="8092" cy="946768"/>
           </a:xfrm>
           <a:prstGeom prst="line">
@@ -3504,7 +3506,7 @@
         </p:nvCxnSpPr>
         <p:spPr>
           <a:xfrm>
-            <a:off x="8532509" y="1218398"/>
+            <a:off x="8532509" y="1334776"/>
             <a:ext cx="8092" cy="946768"/>
           </a:xfrm>
           <a:prstGeom prst="line">
@@ -3539,7 +3541,7 @@
         </p:nvCxnSpPr>
         <p:spPr>
           <a:xfrm>
-            <a:off x="9585384" y="1202214"/>
+            <a:off x="9585384" y="1318592"/>
             <a:ext cx="8092" cy="946768"/>
           </a:xfrm>
           <a:prstGeom prst="line">
@@ -3574,7 +3576,7 @@
         </p:nvSpPr>
         <p:spPr>
           <a:xfrm>
-            <a:off x="1439772" y="1490932"/>
+            <a:off x="1439772" y="1607310"/>
             <a:ext cx="646331" cy="369332"/>
           </a:xfrm>
           <a:prstGeom prst="rect">
@@ -3604,7 +3606,7 @@
         </p:nvSpPr>
         <p:spPr>
           <a:xfrm>
-            <a:off x="2368229" y="1490932"/>
+            <a:off x="2368229" y="1607310"/>
             <a:ext cx="877163" cy="369332"/>
           </a:xfrm>
           <a:prstGeom prst="rect">
@@ -3634,7 +3636,7 @@
         </p:nvSpPr>
         <p:spPr>
           <a:xfrm>
-            <a:off x="3516290" y="1490932"/>
+            <a:off x="3516290" y="1607310"/>
             <a:ext cx="646331" cy="369332"/>
           </a:xfrm>
           <a:prstGeom prst="rect">
@@ -3664,7 +3666,7 @@
         </p:nvSpPr>
         <p:spPr>
           <a:xfrm>
-            <a:off x="4561073" y="1490932"/>
+            <a:off x="4561073" y="1607310"/>
             <a:ext cx="646331" cy="369332"/>
           </a:xfrm>
           <a:prstGeom prst="rect">
@@ -3694,7 +3696,7 @@
         </p:nvSpPr>
         <p:spPr>
           <a:xfrm>
-            <a:off x="5527462" y="1490932"/>
+            <a:off x="5527462" y="1607310"/>
             <a:ext cx="877163" cy="369332"/>
           </a:xfrm>
           <a:prstGeom prst="rect">
@@ -3724,7 +3726,7 @@
         </p:nvSpPr>
         <p:spPr>
           <a:xfrm>
-            <a:off x="6656269" y="1490932"/>
+            <a:off x="6656269" y="1607310"/>
             <a:ext cx="646331" cy="369332"/>
           </a:xfrm>
           <a:prstGeom prst="rect">
@@ -3754,7 +3756,7 @@
         </p:nvSpPr>
         <p:spPr>
           <a:xfrm>
-            <a:off x="7684293" y="1490932"/>
+            <a:off x="7684293" y="1607310"/>
             <a:ext cx="646331" cy="369332"/>
           </a:xfrm>
           <a:prstGeom prst="rect">
@@ -3784,7 +3786,7 @@
         </p:nvSpPr>
         <p:spPr>
           <a:xfrm>
-            <a:off x="8725483" y="1490932"/>
+            <a:off x="8725483" y="1607310"/>
             <a:ext cx="646331" cy="369332"/>
           </a:xfrm>
           <a:prstGeom prst="rect">
@@ -3814,7 +3816,7 @@
         </p:nvSpPr>
         <p:spPr>
           <a:xfrm>
-            <a:off x="9820441" y="1490932"/>
+            <a:off x="9820441" y="1607310"/>
             <a:ext cx="646331" cy="369332"/>
           </a:xfrm>
           <a:prstGeom prst="rect">
@@ -3861,6 +3863,179 @@
             <a:r>
               <a:rPr lang="en-US" altLang="ko-KR" dirty="0" smtClean="0"/>
               <a:t>INDEX 1</a:t>
+            </a:r>
+            <a:endParaRPr lang="ko-KR" altLang="en-US" dirty="0"/>
+          </a:p>
+        </p:txBody>
+      </p:sp>
+      <p:sp>
+        <p:nvSpPr>
+          <p:cNvPr id="3" name="모서리가 둥근 직사각형 2"/>
+          <p:cNvSpPr/>
+          <p:nvPr/>
+        </p:nvSpPr>
+        <p:spPr>
+          <a:xfrm>
+            <a:off x="3431554" y="2792536"/>
+            <a:ext cx="4451978" cy="3059084"/>
+          </a:xfrm>
+          <a:prstGeom prst="roundRect">
+            <a:avLst/>
+          </a:prstGeom>
+        </p:spPr>
+        <p:style>
+          <a:lnRef idx="2">
+            <a:schemeClr val="accent1">
+              <a:shade val="50000"/>
+            </a:schemeClr>
+          </a:lnRef>
+          <a:fillRef idx="1">
+            <a:schemeClr val="accent1"/>
+          </a:fillRef>
+          <a:effectRef idx="0">
+            <a:schemeClr val="accent1"/>
+          </a:effectRef>
+          <a:fontRef idx="minor">
+            <a:schemeClr val="lt1"/>
+          </a:fontRef>
+        </p:style>
+        <p:txBody>
+          <a:bodyPr rtlCol="0" anchor="ctr"/>
+          <a:lstStyle/>
+          <a:p>
+            <a:pPr algn="ctr"/>
+            <a:endParaRPr lang="ko-KR" altLang="en-US"/>
+          </a:p>
+        </p:txBody>
+      </p:sp>
+      <p:sp>
+        <p:nvSpPr>
+          <p:cNvPr id="27" name="모서리가 둥근 직사각형 26"/>
+          <p:cNvSpPr/>
+          <p:nvPr/>
+        </p:nvSpPr>
+        <p:spPr>
+          <a:xfrm>
+            <a:off x="3587039" y="2792536"/>
+            <a:ext cx="4451978" cy="3059084"/>
+          </a:xfrm>
+          <a:prstGeom prst="roundRect">
+            <a:avLst/>
+          </a:prstGeom>
+        </p:spPr>
+        <p:style>
+          <a:lnRef idx="2">
+            <a:schemeClr val="accent1">
+              <a:shade val="50000"/>
+            </a:schemeClr>
+          </a:lnRef>
+          <a:fillRef idx="1">
+            <a:schemeClr val="accent1"/>
+          </a:fillRef>
+          <a:effectRef idx="0">
+            <a:schemeClr val="accent1"/>
+          </a:effectRef>
+          <a:fontRef idx="minor">
+            <a:schemeClr val="lt1"/>
+          </a:fontRef>
+        </p:style>
+        <p:txBody>
+          <a:bodyPr rtlCol="0" anchor="ctr"/>
+          <a:lstStyle/>
+          <a:p>
+            <a:pPr algn="ctr"/>
+            <a:endParaRPr lang="ko-KR" altLang="en-US"/>
+          </a:p>
+        </p:txBody>
+      </p:sp>
+      <p:sp>
+        <p:nvSpPr>
+          <p:cNvPr id="29" name="모서리가 둥근 직사각형 28"/>
+          <p:cNvSpPr/>
+          <p:nvPr/>
+        </p:nvSpPr>
+        <p:spPr>
+          <a:xfrm>
+            <a:off x="3765517" y="2776352"/>
+            <a:ext cx="4451978" cy="3059084"/>
+          </a:xfrm>
+          <a:prstGeom prst="roundRect">
+            <a:avLst/>
+          </a:prstGeom>
+        </p:spPr>
+        <p:style>
+          <a:lnRef idx="2">
+            <a:schemeClr val="accent1">
+              <a:shade val="50000"/>
+            </a:schemeClr>
+          </a:lnRef>
+          <a:fillRef idx="1">
+            <a:schemeClr val="accent1"/>
+          </a:fillRef>
+          <a:effectRef idx="0">
+            <a:schemeClr val="accent1"/>
+          </a:effectRef>
+          <a:fontRef idx="minor">
+            <a:schemeClr val="lt1"/>
+          </a:fontRef>
+        </p:style>
+        <p:txBody>
+          <a:bodyPr rtlCol="0" anchor="ctr"/>
+          <a:lstStyle/>
+          <a:p>
+            <a:pPr algn="ctr"/>
+            <a:r>
+              <a:rPr lang="ko-KR" altLang="en-US" dirty="0" smtClean="0"/>
+              <a:t>주간 월간 랭킹</a:t>
+            </a:r>
+            <a:r>
+              <a:rPr lang="en-US" altLang="ko-KR" dirty="0" smtClean="0"/>
+              <a:t>(</a:t>
+            </a:r>
+            <a:r>
+              <a:rPr lang="ko-KR" altLang="en-US" dirty="0" smtClean="0"/>
+              <a:t>슬라이드 형식</a:t>
+            </a:r>
+            <a:r>
+              <a:rPr lang="en-US" altLang="ko-KR" dirty="0" smtClean="0"/>
+              <a:t>)</a:t>
+            </a:r>
+          </a:p>
+          <a:p>
+            <a:pPr algn="ctr"/>
+            <a:r>
+              <a:rPr lang="ko-KR" altLang="en-US" dirty="0" smtClean="0"/>
+              <a:t>카테고리</a:t>
+            </a:r>
+            <a:endParaRPr lang="ko-KR" altLang="en-US" dirty="0"/>
+          </a:p>
+        </p:txBody>
+      </p:sp>
+      <p:sp>
+        <p:nvSpPr>
+          <p:cNvPr id="7" name="TextBox 6"/>
+          <p:cNvSpPr txBox="1"/>
+          <p:nvPr/>
+        </p:nvSpPr>
+        <p:spPr>
+          <a:xfrm>
+            <a:off x="1439772" y="6206591"/>
+            <a:ext cx="1107996" cy="369332"/>
+          </a:xfrm>
+          <a:prstGeom prst="rect">
+            <a:avLst/>
+          </a:prstGeom>
+          <a:noFill/>
+        </p:spPr>
+        <p:txBody>
+          <a:bodyPr wrap="none" rtlCol="0">
+            <a:spAutoFit/>
+          </a:bodyPr>
+          <a:lstStyle/>
+          <a:p>
+            <a:r>
+              <a:rPr lang="ko-KR" altLang="en-US" dirty="0" smtClean="0"/>
+              <a:t>카테고리</a:t>
             </a:r>
             <a:endParaRPr lang="ko-KR" altLang="en-US" dirty="0"/>
           </a:p>
@@ -3870,6 +4045,557 @@
     <p:extLst>
       <p:ext uri="{BB962C8B-B14F-4D97-AF65-F5344CB8AC3E}">
         <p14:creationId xmlns:p14="http://schemas.microsoft.com/office/powerpoint/2010/main" val="1116546297"/>
+      </p:ext>
+    </p:extLst>
+  </p:cSld>
+  <p:clrMapOvr>
+    <a:masterClrMapping/>
+  </p:clrMapOvr>
+</p:sld>
+</file>
+
+<file path=ppt/slides/slide10.xml><?xml version="1.0" encoding="utf-8"?>
+<p:sld xmlns:a="http://schemas.openxmlformats.org/drawingml/2006/main" xmlns:r="http://schemas.openxmlformats.org/officeDocument/2006/relationships" xmlns:p="http://schemas.openxmlformats.org/presentationml/2006/main">
+  <p:cSld>
+    <p:spTree>
+      <p:nvGrpSpPr>
+        <p:cNvPr id="1" name=""/>
+        <p:cNvGrpSpPr/>
+        <p:nvPr/>
+      </p:nvGrpSpPr>
+      <p:grpSpPr>
+        <a:xfrm>
+          <a:off x="0" y="0"/>
+          <a:ext cx="0" cy="0"/>
+          <a:chOff x="0" y="0"/>
+          <a:chExt cx="0" cy="0"/>
+        </a:xfrm>
+      </p:grpSpPr>
+      <p:sp>
+        <p:nvSpPr>
+          <p:cNvPr id="5" name="직사각형 4"/>
+          <p:cNvSpPr/>
+          <p:nvPr/>
+        </p:nvSpPr>
+        <p:spPr>
+          <a:xfrm>
+            <a:off x="10420865" y="148281"/>
+            <a:ext cx="1647567" cy="436605"/>
+          </a:xfrm>
+          <a:prstGeom prst="rect">
+            <a:avLst/>
+          </a:prstGeom>
+          <a:noFill/>
+          <a:ln>
+            <a:solidFill>
+              <a:schemeClr val="tx1"/>
+            </a:solidFill>
+          </a:ln>
+        </p:spPr>
+        <p:style>
+          <a:lnRef idx="2">
+            <a:schemeClr val="accent1">
+              <a:shade val="50000"/>
+            </a:schemeClr>
+          </a:lnRef>
+          <a:fillRef idx="1">
+            <a:schemeClr val="accent1"/>
+          </a:fillRef>
+          <a:effectRef idx="0">
+            <a:schemeClr val="accent1"/>
+          </a:effectRef>
+          <a:fontRef idx="minor">
+            <a:schemeClr val="lt1"/>
+          </a:fontRef>
+        </p:style>
+        <p:txBody>
+          <a:bodyPr rtlCol="0" anchor="ctr"/>
+          <a:lstStyle/>
+          <a:p>
+            <a:pPr algn="ctr"/>
+            <a:r>
+              <a:rPr lang="ko-KR" altLang="en-US" sz="1200" dirty="0" smtClean="0">
+                <a:solidFill>
+                  <a:schemeClr val="tx1"/>
+                </a:solidFill>
+              </a:rPr>
+              <a:t>로그인</a:t>
+            </a:r>
+            <a:r>
+              <a:rPr lang="en-US" altLang="ko-KR" sz="1200" dirty="0" smtClean="0">
+                <a:solidFill>
+                  <a:schemeClr val="tx1"/>
+                </a:solidFill>
+              </a:rPr>
+              <a:t>/</a:t>
+            </a:r>
+            <a:r>
+              <a:rPr lang="ko-KR" altLang="en-US" sz="1200" dirty="0" err="1" smtClean="0">
+                <a:solidFill>
+                  <a:schemeClr val="tx1"/>
+                </a:solidFill>
+              </a:rPr>
+              <a:t>마이페이지</a:t>
+            </a:r>
+            <a:endParaRPr lang="ko-KR" altLang="en-US" sz="1200" dirty="0">
+              <a:solidFill>
+                <a:schemeClr val="tx1"/>
+              </a:solidFill>
+            </a:endParaRPr>
+          </a:p>
+        </p:txBody>
+      </p:sp>
+      <p:sp>
+        <p:nvSpPr>
+          <p:cNvPr id="15" name="직사각형 14"/>
+          <p:cNvSpPr/>
+          <p:nvPr/>
+        </p:nvSpPr>
+        <p:spPr>
+          <a:xfrm>
+            <a:off x="2785184" y="162497"/>
+            <a:ext cx="5321643" cy="477794"/>
+          </a:xfrm>
+          <a:prstGeom prst="rect">
+            <a:avLst/>
+          </a:prstGeom>
+        </p:spPr>
+        <p:style>
+          <a:lnRef idx="2">
+            <a:schemeClr val="accent1">
+              <a:shade val="50000"/>
+            </a:schemeClr>
+          </a:lnRef>
+          <a:fillRef idx="1">
+            <a:schemeClr val="accent1"/>
+          </a:fillRef>
+          <a:effectRef idx="0">
+            <a:schemeClr val="accent1"/>
+          </a:effectRef>
+          <a:fontRef idx="minor">
+            <a:schemeClr val="lt1"/>
+          </a:fontRef>
+        </p:style>
+        <p:txBody>
+          <a:bodyPr rtlCol="0" anchor="ctr"/>
+          <a:lstStyle/>
+          <a:p>
+            <a:pPr algn="ctr"/>
+            <a:r>
+              <a:rPr lang="ko-KR" altLang="en-US" sz="1200" dirty="0" smtClean="0"/>
+              <a:t>검색 창</a:t>
+            </a:r>
+            <a:endParaRPr lang="ko-KR" altLang="en-US" sz="1200" dirty="0"/>
+          </a:p>
+        </p:txBody>
+      </p:sp>
+      <p:cxnSp>
+        <p:nvCxnSpPr>
+          <p:cNvPr id="18" name="직선 연결선 17"/>
+          <p:cNvCxnSpPr/>
+          <p:nvPr/>
+        </p:nvCxnSpPr>
+        <p:spPr>
+          <a:xfrm flipV="1">
+            <a:off x="0" y="807308"/>
+            <a:ext cx="12192000" cy="16476"/>
+          </a:xfrm>
+          <a:prstGeom prst="line">
+            <a:avLst/>
+          </a:prstGeom>
+        </p:spPr>
+        <p:style>
+          <a:lnRef idx="1">
+            <a:schemeClr val="accent1"/>
+          </a:lnRef>
+          <a:fillRef idx="0">
+            <a:schemeClr val="accent1"/>
+          </a:fillRef>
+          <a:effectRef idx="0">
+            <a:schemeClr val="accent1"/>
+          </a:effectRef>
+          <a:fontRef idx="minor">
+            <a:schemeClr val="tx1"/>
+          </a:fontRef>
+        </p:style>
+      </p:cxnSp>
+      <p:sp>
+        <p:nvSpPr>
+          <p:cNvPr id="19" name="모서리가 둥근 직사각형 18"/>
+          <p:cNvSpPr/>
+          <p:nvPr/>
+        </p:nvSpPr>
+        <p:spPr>
+          <a:xfrm>
+            <a:off x="80705" y="162497"/>
+            <a:ext cx="2323070" cy="502508"/>
+          </a:xfrm>
+          <a:prstGeom prst="roundRect">
+            <a:avLst/>
+          </a:prstGeom>
+        </p:spPr>
+        <p:style>
+          <a:lnRef idx="2">
+            <a:schemeClr val="accent1">
+              <a:shade val="50000"/>
+            </a:schemeClr>
+          </a:lnRef>
+          <a:fillRef idx="1">
+            <a:schemeClr val="accent1"/>
+          </a:fillRef>
+          <a:effectRef idx="0">
+            <a:schemeClr val="accent1"/>
+          </a:effectRef>
+          <a:fontRef idx="minor">
+            <a:schemeClr val="lt1"/>
+          </a:fontRef>
+        </p:style>
+        <p:txBody>
+          <a:bodyPr rtlCol="0" anchor="ctr"/>
+          <a:lstStyle/>
+          <a:p>
+            <a:pPr algn="ctr"/>
+            <a:r>
+              <a:rPr lang="ko-KR" altLang="en-US" dirty="0" smtClean="0"/>
+              <a:t>로고</a:t>
+            </a:r>
+            <a:endParaRPr lang="ko-KR" altLang="en-US" dirty="0"/>
+          </a:p>
+        </p:txBody>
+      </p:sp>
+      <p:sp>
+        <p:nvSpPr>
+          <p:cNvPr id="20" name="직사각형 19"/>
+          <p:cNvSpPr/>
+          <p:nvPr/>
+        </p:nvSpPr>
+        <p:spPr>
+          <a:xfrm>
+            <a:off x="8217495" y="256685"/>
+            <a:ext cx="2092702" cy="289417"/>
+          </a:xfrm>
+          <a:prstGeom prst="rect">
+            <a:avLst/>
+          </a:prstGeom>
+        </p:spPr>
+        <p:style>
+          <a:lnRef idx="2">
+            <a:schemeClr val="accent1">
+              <a:shade val="50000"/>
+            </a:schemeClr>
+          </a:lnRef>
+          <a:fillRef idx="1">
+            <a:schemeClr val="accent1"/>
+          </a:fillRef>
+          <a:effectRef idx="0">
+            <a:schemeClr val="accent1"/>
+          </a:effectRef>
+          <a:fontRef idx="minor">
+            <a:schemeClr val="lt1"/>
+          </a:fontRef>
+        </p:style>
+        <p:txBody>
+          <a:bodyPr rtlCol="0" anchor="ctr"/>
+          <a:lstStyle/>
+          <a:p>
+            <a:pPr algn="ctr"/>
+            <a:r>
+              <a:rPr lang="ko-KR" altLang="en-US" sz="900" dirty="0" smtClean="0"/>
+              <a:t>고객센터 및 기타 </a:t>
+            </a:r>
+            <a:r>
+              <a:rPr lang="ko-KR" altLang="en-US" sz="900" dirty="0" err="1" smtClean="0"/>
+              <a:t>들어갈것</a:t>
+            </a:r>
+            <a:endParaRPr lang="ko-KR" altLang="en-US" sz="900" dirty="0"/>
+          </a:p>
+        </p:txBody>
+      </p:sp>
+      <p:sp>
+        <p:nvSpPr>
+          <p:cNvPr id="2" name="TextBox 1"/>
+          <p:cNvSpPr txBox="1"/>
+          <p:nvPr/>
+        </p:nvSpPr>
+        <p:spPr>
+          <a:xfrm>
+            <a:off x="186117" y="6206591"/>
+            <a:ext cx="1774909" cy="369332"/>
+          </a:xfrm>
+          <a:prstGeom prst="rect">
+            <a:avLst/>
+          </a:prstGeom>
+          <a:noFill/>
+        </p:spPr>
+        <p:txBody>
+          <a:bodyPr wrap="none" rtlCol="0">
+            <a:spAutoFit/>
+          </a:bodyPr>
+          <a:lstStyle/>
+          <a:p>
+            <a:r>
+              <a:rPr lang="en-US" altLang="ko-KR" dirty="0"/>
+              <a:t>Service Center </a:t>
+            </a:r>
+            <a:endParaRPr lang="ko-KR" altLang="en-US" dirty="0"/>
+          </a:p>
+        </p:txBody>
+      </p:sp>
+      <p:sp>
+        <p:nvSpPr>
+          <p:cNvPr id="3" name="모서리가 둥근 직사각형 2"/>
+          <p:cNvSpPr/>
+          <p:nvPr/>
+        </p:nvSpPr>
+        <p:spPr>
+          <a:xfrm>
+            <a:off x="349135" y="1305098"/>
+            <a:ext cx="1837112" cy="4181302"/>
+          </a:xfrm>
+          <a:prstGeom prst="roundRect">
+            <a:avLst/>
+          </a:prstGeom>
+        </p:spPr>
+        <p:style>
+          <a:lnRef idx="2">
+            <a:schemeClr val="accent1">
+              <a:shade val="50000"/>
+            </a:schemeClr>
+          </a:lnRef>
+          <a:fillRef idx="1">
+            <a:schemeClr val="accent1"/>
+          </a:fillRef>
+          <a:effectRef idx="0">
+            <a:schemeClr val="accent1"/>
+          </a:effectRef>
+          <a:fontRef idx="minor">
+            <a:schemeClr val="lt1"/>
+          </a:fontRef>
+        </p:style>
+        <p:txBody>
+          <a:bodyPr rtlCol="0" anchor="ctr"/>
+          <a:lstStyle/>
+          <a:p>
+            <a:pPr algn="ctr"/>
+            <a:r>
+              <a:rPr lang="ko-KR" altLang="en-US" dirty="0" smtClean="0"/>
+              <a:t>고객센터</a:t>
+            </a:r>
+            <a:endParaRPr lang="en-US" altLang="ko-KR" dirty="0" smtClean="0"/>
+          </a:p>
+          <a:p>
+            <a:pPr marL="342900" indent="-342900" algn="ctr">
+              <a:buAutoNum type="arabicPeriod"/>
+            </a:pPr>
+            <a:endParaRPr lang="en-US" altLang="ko-KR" dirty="0" smtClean="0"/>
+          </a:p>
+          <a:p>
+            <a:pPr marL="342900" indent="-342900" algn="ctr">
+              <a:buAutoNum type="arabicPeriod"/>
+            </a:pPr>
+            <a:endParaRPr lang="en-US" altLang="ko-KR" dirty="0"/>
+          </a:p>
+          <a:p>
+            <a:pPr marL="342900" indent="-342900" algn="ctr">
+              <a:buAutoNum type="arabicPeriod"/>
+            </a:pPr>
+            <a:endParaRPr lang="en-US" altLang="ko-KR" dirty="0" smtClean="0"/>
+          </a:p>
+          <a:p>
+            <a:pPr marL="342900" indent="-342900" algn="ctr">
+              <a:buAutoNum type="arabicPeriod"/>
+            </a:pPr>
+            <a:endParaRPr lang="en-US" altLang="ko-KR" dirty="0"/>
+          </a:p>
+          <a:p>
+            <a:pPr marL="342900" indent="-342900" algn="ctr">
+              <a:buAutoNum type="arabicPeriod"/>
+            </a:pPr>
+            <a:r>
+              <a:rPr lang="ko-KR" altLang="en-US" dirty="0" smtClean="0"/>
+              <a:t>공지</a:t>
+            </a:r>
+            <a:endParaRPr lang="en-US" altLang="ko-KR" dirty="0" smtClean="0"/>
+          </a:p>
+          <a:p>
+            <a:pPr marL="342900" indent="-342900" algn="ctr">
+              <a:buAutoNum type="arabicPeriod"/>
+            </a:pPr>
+            <a:endParaRPr lang="en-US" altLang="ko-KR" dirty="0" smtClean="0"/>
+          </a:p>
+          <a:p>
+            <a:pPr marL="342900" indent="-342900" algn="ctr">
+              <a:buAutoNum type="arabicPeriod"/>
+            </a:pPr>
+            <a:r>
+              <a:rPr lang="ko-KR" altLang="en-US" dirty="0" smtClean="0"/>
+              <a:t>이용안내</a:t>
+            </a:r>
+            <a:endParaRPr lang="en-US" altLang="ko-KR" dirty="0" smtClean="0"/>
+          </a:p>
+          <a:p>
+            <a:pPr marL="342900" indent="-342900" algn="ctr">
+              <a:buAutoNum type="arabicPeriod"/>
+            </a:pPr>
+            <a:endParaRPr lang="en-US" altLang="ko-KR" dirty="0" smtClean="0"/>
+          </a:p>
+          <a:p>
+            <a:pPr marL="342900" indent="-342900" algn="ctr">
+              <a:buAutoNum type="arabicPeriod"/>
+            </a:pPr>
+            <a:r>
+              <a:rPr lang="en-US" altLang="ko-KR" dirty="0" smtClean="0"/>
+              <a:t>1:1</a:t>
+            </a:r>
+            <a:r>
+              <a:rPr lang="ko-KR" altLang="en-US" dirty="0" smtClean="0"/>
+              <a:t>문의</a:t>
+            </a:r>
+            <a:endParaRPr lang="en-US" altLang="ko-KR" dirty="0" smtClean="0"/>
+          </a:p>
+        </p:txBody>
+      </p:sp>
+      <p:cxnSp>
+        <p:nvCxnSpPr>
+          <p:cNvPr id="9" name="직선 화살표 연결선 8"/>
+          <p:cNvCxnSpPr>
+            <a:endCxn id="10" idx="1"/>
+          </p:cNvCxnSpPr>
+          <p:nvPr/>
+        </p:nvCxnSpPr>
+        <p:spPr>
+          <a:xfrm>
+            <a:off x="1704109" y="3524596"/>
+            <a:ext cx="1729047" cy="486573"/>
+          </a:xfrm>
+          <a:prstGeom prst="straightConnector1">
+            <a:avLst/>
+          </a:prstGeom>
+          <a:ln>
+            <a:solidFill>
+              <a:schemeClr val="tx1"/>
+            </a:solidFill>
+            <a:tailEnd type="triangle"/>
+          </a:ln>
+        </p:spPr>
+        <p:style>
+          <a:lnRef idx="1">
+            <a:schemeClr val="accent1"/>
+          </a:lnRef>
+          <a:fillRef idx="0">
+            <a:schemeClr val="accent1"/>
+          </a:fillRef>
+          <a:effectRef idx="0">
+            <a:schemeClr val="accent1"/>
+          </a:effectRef>
+          <a:fontRef idx="minor">
+            <a:schemeClr val="tx1"/>
+          </a:fontRef>
+        </p:style>
+      </p:cxnSp>
+      <p:sp>
+        <p:nvSpPr>
+          <p:cNvPr id="10" name="모서리가 둥근 직사각형 9"/>
+          <p:cNvSpPr/>
+          <p:nvPr/>
+        </p:nvSpPr>
+        <p:spPr>
+          <a:xfrm>
+            <a:off x="3433156" y="1446415"/>
+            <a:ext cx="8246226" cy="5129508"/>
+          </a:xfrm>
+          <a:prstGeom prst="roundRect">
+            <a:avLst/>
+          </a:prstGeom>
+        </p:spPr>
+        <p:style>
+          <a:lnRef idx="2">
+            <a:schemeClr val="accent1">
+              <a:shade val="50000"/>
+            </a:schemeClr>
+          </a:lnRef>
+          <a:fillRef idx="1">
+            <a:schemeClr val="accent1"/>
+          </a:fillRef>
+          <a:effectRef idx="0">
+            <a:schemeClr val="accent1"/>
+          </a:effectRef>
+          <a:fontRef idx="minor">
+            <a:schemeClr val="lt1"/>
+          </a:fontRef>
+        </p:style>
+        <p:txBody>
+          <a:bodyPr rtlCol="0" anchor="ctr"/>
+          <a:lstStyle/>
+          <a:p>
+            <a:pPr algn="ctr"/>
+            <a:r>
+              <a:rPr lang="ko-KR" altLang="en-US" dirty="0" smtClean="0"/>
+              <a:t>관련내용</a:t>
+            </a:r>
+            <a:endParaRPr lang="ko-KR" altLang="en-US" dirty="0"/>
+          </a:p>
+        </p:txBody>
+      </p:sp>
+      <p:sp>
+        <p:nvSpPr>
+          <p:cNvPr id="12" name="직사각형 11"/>
+          <p:cNvSpPr/>
+          <p:nvPr/>
+        </p:nvSpPr>
+        <p:spPr>
+          <a:xfrm>
+            <a:off x="2286001" y="2926080"/>
+            <a:ext cx="1022464" cy="598516"/>
+          </a:xfrm>
+          <a:prstGeom prst="rect">
+            <a:avLst/>
+          </a:prstGeom>
+          <a:solidFill>
+            <a:srgbClr val="FFFF00"/>
+          </a:solidFill>
+        </p:spPr>
+        <p:style>
+          <a:lnRef idx="2">
+            <a:schemeClr val="accent1">
+              <a:shade val="50000"/>
+            </a:schemeClr>
+          </a:lnRef>
+          <a:fillRef idx="1">
+            <a:schemeClr val="accent1"/>
+          </a:fillRef>
+          <a:effectRef idx="0">
+            <a:schemeClr val="accent1"/>
+          </a:effectRef>
+          <a:fontRef idx="minor">
+            <a:schemeClr val="lt1"/>
+          </a:fontRef>
+        </p:style>
+        <p:txBody>
+          <a:bodyPr rtlCol="0" anchor="ctr"/>
+          <a:lstStyle/>
+          <a:p>
+            <a:pPr algn="ctr"/>
+            <a:r>
+              <a:rPr lang="ko-KR" altLang="en-US" dirty="0" err="1" smtClean="0">
+                <a:solidFill>
+                  <a:schemeClr val="tx1"/>
+                </a:solidFill>
+              </a:rPr>
+              <a:t>클릭시</a:t>
+            </a:r>
+            <a:endParaRPr lang="ko-KR" altLang="en-US" dirty="0">
+              <a:solidFill>
+                <a:schemeClr val="tx1"/>
+              </a:solidFill>
+            </a:endParaRPr>
+          </a:p>
+        </p:txBody>
+      </p:sp>
+    </p:spTree>
+    <p:extLst>
+      <p:ext uri="{BB962C8B-B14F-4D97-AF65-F5344CB8AC3E}">
+        <p14:creationId xmlns:p14="http://schemas.microsoft.com/office/powerpoint/2010/main" val="2621513638"/>
       </p:ext>
     </p:extLst>
   </p:cSld>
@@ -4991,11 +5717,7 @@
           <a:p>
             <a:r>
               <a:rPr lang="en-US" altLang="ko-KR" dirty="0" smtClean="0"/>
-              <a:t>INDEX </a:t>
-            </a:r>
-            <a:r>
-              <a:rPr lang="en-US" altLang="ko-KR" dirty="0" smtClean="0"/>
-              <a:t>2 (</a:t>
+              <a:t>INDEX 2 (</a:t>
             </a:r>
             <a:r>
               <a:rPr lang="ko-KR" altLang="en-US" dirty="0" smtClean="0"/>
@@ -5166,6 +5888,99 @@
               <a:t>)</a:t>
             </a:r>
             <a:endParaRPr lang="ko-KR" altLang="en-US" sz="1200" dirty="0"/>
+          </a:p>
+        </p:txBody>
+      </p:sp>
+      <p:cxnSp>
+        <p:nvCxnSpPr>
+          <p:cNvPr id="3" name="직선 화살표 연결선 2"/>
+          <p:cNvCxnSpPr/>
+          <p:nvPr/>
+        </p:nvCxnSpPr>
+        <p:spPr>
+          <a:xfrm flipV="1">
+            <a:off x="10158153" y="2801389"/>
+            <a:ext cx="1130531" cy="274320"/>
+          </a:xfrm>
+          <a:prstGeom prst="straightConnector1">
+            <a:avLst/>
+          </a:prstGeom>
+          <a:ln>
+            <a:tailEnd type="triangle"/>
+          </a:ln>
+        </p:spPr>
+        <p:style>
+          <a:lnRef idx="1">
+            <a:schemeClr val="accent1"/>
+          </a:lnRef>
+          <a:fillRef idx="0">
+            <a:schemeClr val="accent1"/>
+          </a:fillRef>
+          <a:effectRef idx="0">
+            <a:schemeClr val="accent1"/>
+          </a:effectRef>
+          <a:fontRef idx="minor">
+            <a:schemeClr val="tx1"/>
+          </a:fontRef>
+        </p:style>
+      </p:cxnSp>
+      <p:sp>
+        <p:nvSpPr>
+          <p:cNvPr id="39" name="TextBox 38"/>
+          <p:cNvSpPr txBox="1"/>
+          <p:nvPr/>
+        </p:nvSpPr>
+        <p:spPr>
+          <a:xfrm>
+            <a:off x="11145910" y="2432057"/>
+            <a:ext cx="1107996" cy="369332"/>
+          </a:xfrm>
+          <a:prstGeom prst="rect">
+            <a:avLst/>
+          </a:prstGeom>
+          <a:noFill/>
+        </p:spPr>
+        <p:txBody>
+          <a:bodyPr wrap="none" rtlCol="0">
+            <a:spAutoFit/>
+          </a:bodyPr>
+          <a:lstStyle/>
+          <a:p>
+            <a:r>
+              <a:rPr lang="ko-KR" altLang="en-US" dirty="0" smtClean="0"/>
+              <a:t>카테고리</a:t>
+            </a:r>
+            <a:endParaRPr lang="ko-KR" altLang="en-US" dirty="0"/>
+          </a:p>
+        </p:txBody>
+      </p:sp>
+      <p:sp>
+        <p:nvSpPr>
+          <p:cNvPr id="49" name="TextBox 48"/>
+          <p:cNvSpPr txBox="1"/>
+          <p:nvPr/>
+        </p:nvSpPr>
+        <p:spPr>
+          <a:xfrm>
+            <a:off x="1937416" y="3138165"/>
+            <a:ext cx="1107996" cy="369332"/>
+          </a:xfrm>
+          <a:prstGeom prst="rect">
+            <a:avLst/>
+          </a:prstGeom>
+          <a:noFill/>
+        </p:spPr>
+        <p:txBody>
+          <a:bodyPr wrap="none" rtlCol="0">
+            <a:spAutoFit/>
+          </a:bodyPr>
+          <a:lstStyle/>
+          <a:p>
+            <a:r>
+              <a:rPr lang="ko-KR" altLang="en-US" dirty="0" smtClean="0"/>
+              <a:t>카테고리</a:t>
+            </a:r>
+            <a:endParaRPr lang="ko-KR" altLang="en-US" dirty="0"/>
           </a:p>
         </p:txBody>
       </p:sp>
@@ -6035,11 +6850,7 @@
           <a:p>
             <a:r>
               <a:rPr lang="en-US" altLang="ko-KR" dirty="0" smtClean="0"/>
-              <a:t>INDEX </a:t>
-            </a:r>
-            <a:r>
-              <a:rPr lang="en-US" altLang="ko-KR" dirty="0" smtClean="0"/>
-              <a:t>2 (</a:t>
+              <a:t>INDEX 2 (</a:t>
             </a:r>
             <a:r>
               <a:rPr lang="ko-KR" altLang="en-US" dirty="0" smtClean="0"/>
@@ -6372,6 +7183,36 @@
               <a:t>클릭시</a:t>
             </a:r>
             <a:endParaRPr lang="ko-KR" altLang="en-US" sz="1000" dirty="0"/>
+          </a:p>
+        </p:txBody>
+      </p:sp>
+      <p:sp>
+        <p:nvSpPr>
+          <p:cNvPr id="48" name="TextBox 47"/>
+          <p:cNvSpPr txBox="1"/>
+          <p:nvPr/>
+        </p:nvSpPr>
+        <p:spPr>
+          <a:xfrm>
+            <a:off x="311433" y="5531849"/>
+            <a:ext cx="1107996" cy="369332"/>
+          </a:xfrm>
+          <a:prstGeom prst="rect">
+            <a:avLst/>
+          </a:prstGeom>
+          <a:noFill/>
+        </p:spPr>
+        <p:txBody>
+          <a:bodyPr wrap="none" rtlCol="0">
+            <a:spAutoFit/>
+          </a:bodyPr>
+          <a:lstStyle/>
+          <a:p>
+            <a:r>
+              <a:rPr lang="ko-KR" altLang="en-US" smtClean="0"/>
+              <a:t>카테고리</a:t>
+            </a:r>
+            <a:endParaRPr lang="ko-KR" altLang="en-US" dirty="0"/>
           </a:p>
         </p:txBody>
       </p:sp>
@@ -9264,10 +10105,40 @@
           <a:lstStyle/>
           <a:p>
             <a:r>
-              <a:rPr lang="ko-KR" altLang="en-US" smtClean="0"/>
+              <a:rPr lang="ko-KR" altLang="en-US" dirty="0" smtClean="0"/>
               <a:t>굳이 없어도 되고</a:t>
             </a:r>
-            <a:endParaRPr lang="ko-KR" altLang="en-US"/>
+            <a:endParaRPr lang="ko-KR" altLang="en-US" dirty="0"/>
+          </a:p>
+        </p:txBody>
+      </p:sp>
+      <p:sp>
+        <p:nvSpPr>
+          <p:cNvPr id="17" name="TextBox 16"/>
+          <p:cNvSpPr txBox="1"/>
+          <p:nvPr/>
+        </p:nvSpPr>
+        <p:spPr>
+          <a:xfrm>
+            <a:off x="819347" y="2655638"/>
+            <a:ext cx="646331" cy="369332"/>
+          </a:xfrm>
+          <a:prstGeom prst="rect">
+            <a:avLst/>
+          </a:prstGeom>
+          <a:noFill/>
+        </p:spPr>
+        <p:txBody>
+          <a:bodyPr wrap="none" rtlCol="0">
+            <a:spAutoFit/>
+          </a:bodyPr>
+          <a:lstStyle/>
+          <a:p>
+            <a:r>
+              <a:rPr lang="ko-KR" altLang="en-US" dirty="0" smtClean="0"/>
+              <a:t>검색</a:t>
+            </a:r>
+            <a:endParaRPr lang="ko-KR" altLang="en-US" dirty="0"/>
           </a:p>
         </p:txBody>
       </p:sp>
@@ -9425,7 +10296,11 @@
             </a:r>
             <a:r>
               <a:rPr lang="ko-KR" altLang="en-US" sz="1200" dirty="0" smtClean="0"/>
-              <a:t> 검색 예</a:t>
+              <a:t> </a:t>
+            </a:r>
+            <a:r>
+              <a:rPr lang="ko-KR" altLang="en-US" sz="1200" dirty="0" smtClean="0"/>
+              <a:t>검색 예</a:t>
             </a:r>
             <a:r>
               <a:rPr lang="en-US" altLang="ko-KR" sz="1200" dirty="0" smtClean="0"/>
@@ -9517,7 +10392,7 @@
         </p:nvSpPr>
         <p:spPr>
           <a:xfrm>
-            <a:off x="8217495" y="256685"/>
+            <a:off x="8217495" y="221874"/>
             <a:ext cx="2092702" cy="289417"/>
           </a:xfrm>
           <a:prstGeom prst="rect">
@@ -9595,7 +10470,7 @@
         </p:nvSpPr>
         <p:spPr>
           <a:xfrm>
-            <a:off x="3811348" y="966087"/>
+            <a:off x="3811348" y="1324759"/>
             <a:ext cx="3665692" cy="412694"/>
           </a:xfrm>
           <a:prstGeom prst="rect">
@@ -9655,7 +10530,7 @@
         </p:nvSpPr>
         <p:spPr>
           <a:xfrm>
-            <a:off x="4466803" y="2524715"/>
+            <a:off x="4321146" y="2595318"/>
             <a:ext cx="2646096" cy="736376"/>
           </a:xfrm>
           <a:prstGeom prst="rect">
@@ -9699,10 +10574,502 @@
           </a:p>
         </p:txBody>
       </p:sp>
+      <p:sp>
+        <p:nvSpPr>
+          <p:cNvPr id="11" name="TextBox 10"/>
+          <p:cNvSpPr txBox="1"/>
+          <p:nvPr/>
+        </p:nvSpPr>
+        <p:spPr>
+          <a:xfrm>
+            <a:off x="7656049" y="4750211"/>
+            <a:ext cx="646331" cy="369332"/>
+          </a:xfrm>
+          <a:prstGeom prst="rect">
+            <a:avLst/>
+          </a:prstGeom>
+          <a:noFill/>
+        </p:spPr>
+        <p:txBody>
+          <a:bodyPr wrap="none" rtlCol="0">
+            <a:spAutoFit/>
+          </a:bodyPr>
+          <a:lstStyle/>
+          <a:p>
+            <a:r>
+              <a:rPr lang="ko-KR" altLang="en-US" dirty="0" smtClean="0"/>
+              <a:t>검색</a:t>
+            </a:r>
+            <a:endParaRPr lang="ko-KR" altLang="en-US" dirty="0"/>
+          </a:p>
+        </p:txBody>
+      </p:sp>
     </p:spTree>
     <p:extLst>
       <p:ext uri="{BB962C8B-B14F-4D97-AF65-F5344CB8AC3E}">
         <p14:creationId xmlns:p14="http://schemas.microsoft.com/office/powerpoint/2010/main" val="3336050588"/>
+      </p:ext>
+    </p:extLst>
+  </p:cSld>
+  <p:clrMapOvr>
+    <a:masterClrMapping/>
+  </p:clrMapOvr>
+</p:sld>
+</file>
+
+<file path=ppt/slides/slide9.xml><?xml version="1.0" encoding="utf-8"?>
+<p:sld xmlns:a="http://schemas.openxmlformats.org/drawingml/2006/main" xmlns:r="http://schemas.openxmlformats.org/officeDocument/2006/relationships" xmlns:p="http://schemas.openxmlformats.org/presentationml/2006/main">
+  <p:cSld>
+    <p:spTree>
+      <p:nvGrpSpPr>
+        <p:cNvPr id="1" name=""/>
+        <p:cNvGrpSpPr/>
+        <p:nvPr/>
+      </p:nvGrpSpPr>
+      <p:grpSpPr>
+        <a:xfrm>
+          <a:off x="0" y="0"/>
+          <a:ext cx="0" cy="0"/>
+          <a:chOff x="0" y="0"/>
+          <a:chExt cx="0" cy="0"/>
+        </a:xfrm>
+      </p:grpSpPr>
+      <p:sp>
+        <p:nvSpPr>
+          <p:cNvPr id="5" name="직사각형 4"/>
+          <p:cNvSpPr/>
+          <p:nvPr/>
+        </p:nvSpPr>
+        <p:spPr>
+          <a:xfrm>
+            <a:off x="10420865" y="148281"/>
+            <a:ext cx="1647567" cy="436605"/>
+          </a:xfrm>
+          <a:prstGeom prst="rect">
+            <a:avLst/>
+          </a:prstGeom>
+          <a:noFill/>
+          <a:ln>
+            <a:solidFill>
+              <a:schemeClr val="tx1"/>
+            </a:solidFill>
+          </a:ln>
+        </p:spPr>
+        <p:style>
+          <a:lnRef idx="2">
+            <a:schemeClr val="accent1">
+              <a:shade val="50000"/>
+            </a:schemeClr>
+          </a:lnRef>
+          <a:fillRef idx="1">
+            <a:schemeClr val="accent1"/>
+          </a:fillRef>
+          <a:effectRef idx="0">
+            <a:schemeClr val="accent1"/>
+          </a:effectRef>
+          <a:fontRef idx="minor">
+            <a:schemeClr val="lt1"/>
+          </a:fontRef>
+        </p:style>
+        <p:txBody>
+          <a:bodyPr rtlCol="0" anchor="ctr"/>
+          <a:lstStyle/>
+          <a:p>
+            <a:pPr algn="ctr"/>
+            <a:r>
+              <a:rPr lang="ko-KR" altLang="en-US" sz="1200" dirty="0" smtClean="0">
+                <a:solidFill>
+                  <a:schemeClr val="tx1"/>
+                </a:solidFill>
+              </a:rPr>
+              <a:t>로그인</a:t>
+            </a:r>
+            <a:r>
+              <a:rPr lang="en-US" altLang="ko-KR" sz="1200" dirty="0" smtClean="0">
+                <a:solidFill>
+                  <a:schemeClr val="tx1"/>
+                </a:solidFill>
+              </a:rPr>
+              <a:t>/</a:t>
+            </a:r>
+            <a:r>
+              <a:rPr lang="ko-KR" altLang="en-US" sz="1200" dirty="0" err="1" smtClean="0">
+                <a:solidFill>
+                  <a:schemeClr val="tx1"/>
+                </a:solidFill>
+              </a:rPr>
+              <a:t>마이페이지</a:t>
+            </a:r>
+            <a:endParaRPr lang="ko-KR" altLang="en-US" sz="1200" dirty="0">
+              <a:solidFill>
+                <a:schemeClr val="tx1"/>
+              </a:solidFill>
+            </a:endParaRPr>
+          </a:p>
+        </p:txBody>
+      </p:sp>
+      <p:sp>
+        <p:nvSpPr>
+          <p:cNvPr id="15" name="직사각형 14"/>
+          <p:cNvSpPr/>
+          <p:nvPr/>
+        </p:nvSpPr>
+        <p:spPr>
+          <a:xfrm>
+            <a:off x="2785184" y="162497"/>
+            <a:ext cx="5321643" cy="477794"/>
+          </a:xfrm>
+          <a:prstGeom prst="rect">
+            <a:avLst/>
+          </a:prstGeom>
+        </p:spPr>
+        <p:style>
+          <a:lnRef idx="2">
+            <a:schemeClr val="accent1">
+              <a:shade val="50000"/>
+            </a:schemeClr>
+          </a:lnRef>
+          <a:fillRef idx="1">
+            <a:schemeClr val="accent1"/>
+          </a:fillRef>
+          <a:effectRef idx="0">
+            <a:schemeClr val="accent1"/>
+          </a:effectRef>
+          <a:fontRef idx="minor">
+            <a:schemeClr val="lt1"/>
+          </a:fontRef>
+        </p:style>
+        <p:txBody>
+          <a:bodyPr rtlCol="0" anchor="ctr"/>
+          <a:lstStyle/>
+          <a:p>
+            <a:pPr algn="ctr"/>
+            <a:r>
+              <a:rPr lang="ko-KR" altLang="en-US" sz="1200" dirty="0" smtClean="0"/>
+              <a:t>검색 창</a:t>
+            </a:r>
+            <a:endParaRPr lang="ko-KR" altLang="en-US" sz="1200" dirty="0"/>
+          </a:p>
+        </p:txBody>
+      </p:sp>
+      <p:cxnSp>
+        <p:nvCxnSpPr>
+          <p:cNvPr id="18" name="직선 연결선 17"/>
+          <p:cNvCxnSpPr/>
+          <p:nvPr/>
+        </p:nvCxnSpPr>
+        <p:spPr>
+          <a:xfrm flipV="1">
+            <a:off x="0" y="807308"/>
+            <a:ext cx="12192000" cy="16476"/>
+          </a:xfrm>
+          <a:prstGeom prst="line">
+            <a:avLst/>
+          </a:prstGeom>
+        </p:spPr>
+        <p:style>
+          <a:lnRef idx="1">
+            <a:schemeClr val="accent1"/>
+          </a:lnRef>
+          <a:fillRef idx="0">
+            <a:schemeClr val="accent1"/>
+          </a:fillRef>
+          <a:effectRef idx="0">
+            <a:schemeClr val="accent1"/>
+          </a:effectRef>
+          <a:fontRef idx="minor">
+            <a:schemeClr val="tx1"/>
+          </a:fontRef>
+        </p:style>
+      </p:cxnSp>
+      <p:sp>
+        <p:nvSpPr>
+          <p:cNvPr id="19" name="모서리가 둥근 직사각형 18"/>
+          <p:cNvSpPr/>
+          <p:nvPr/>
+        </p:nvSpPr>
+        <p:spPr>
+          <a:xfrm>
+            <a:off x="80705" y="162497"/>
+            <a:ext cx="2323070" cy="502508"/>
+          </a:xfrm>
+          <a:prstGeom prst="roundRect">
+            <a:avLst/>
+          </a:prstGeom>
+        </p:spPr>
+        <p:style>
+          <a:lnRef idx="2">
+            <a:schemeClr val="accent1">
+              <a:shade val="50000"/>
+            </a:schemeClr>
+          </a:lnRef>
+          <a:fillRef idx="1">
+            <a:schemeClr val="accent1"/>
+          </a:fillRef>
+          <a:effectRef idx="0">
+            <a:schemeClr val="accent1"/>
+          </a:effectRef>
+          <a:fontRef idx="minor">
+            <a:schemeClr val="lt1"/>
+          </a:fontRef>
+        </p:style>
+        <p:txBody>
+          <a:bodyPr rtlCol="0" anchor="ctr"/>
+          <a:lstStyle/>
+          <a:p>
+            <a:pPr algn="ctr"/>
+            <a:r>
+              <a:rPr lang="ko-KR" altLang="en-US" dirty="0" smtClean="0"/>
+              <a:t>로고</a:t>
+            </a:r>
+            <a:endParaRPr lang="ko-KR" altLang="en-US" dirty="0"/>
+          </a:p>
+        </p:txBody>
+      </p:sp>
+      <p:sp>
+        <p:nvSpPr>
+          <p:cNvPr id="20" name="직사각형 19"/>
+          <p:cNvSpPr/>
+          <p:nvPr/>
+        </p:nvSpPr>
+        <p:spPr>
+          <a:xfrm>
+            <a:off x="8217495" y="256685"/>
+            <a:ext cx="2092702" cy="289417"/>
+          </a:xfrm>
+          <a:prstGeom prst="rect">
+            <a:avLst/>
+          </a:prstGeom>
+        </p:spPr>
+        <p:style>
+          <a:lnRef idx="2">
+            <a:schemeClr val="accent1">
+              <a:shade val="50000"/>
+            </a:schemeClr>
+          </a:lnRef>
+          <a:fillRef idx="1">
+            <a:schemeClr val="accent1"/>
+          </a:fillRef>
+          <a:effectRef idx="0">
+            <a:schemeClr val="accent1"/>
+          </a:effectRef>
+          <a:fontRef idx="minor">
+            <a:schemeClr val="lt1"/>
+          </a:fontRef>
+        </p:style>
+        <p:txBody>
+          <a:bodyPr rtlCol="0" anchor="ctr"/>
+          <a:lstStyle/>
+          <a:p>
+            <a:pPr algn="ctr"/>
+            <a:r>
+              <a:rPr lang="ko-KR" altLang="en-US" sz="900" dirty="0" smtClean="0"/>
+              <a:t>고객센터 및 기타 </a:t>
+            </a:r>
+            <a:r>
+              <a:rPr lang="ko-KR" altLang="en-US" sz="900" dirty="0" err="1" smtClean="0"/>
+              <a:t>들어갈것</a:t>
+            </a:r>
+            <a:endParaRPr lang="ko-KR" altLang="en-US" sz="900" dirty="0"/>
+          </a:p>
+        </p:txBody>
+      </p:sp>
+      <p:sp>
+        <p:nvSpPr>
+          <p:cNvPr id="2" name="TextBox 1"/>
+          <p:cNvSpPr txBox="1"/>
+          <p:nvPr/>
+        </p:nvSpPr>
+        <p:spPr>
+          <a:xfrm>
+            <a:off x="186117" y="6206591"/>
+            <a:ext cx="834139" cy="369332"/>
+          </a:xfrm>
+          <a:prstGeom prst="rect">
+            <a:avLst/>
+          </a:prstGeom>
+          <a:noFill/>
+        </p:spPr>
+        <p:txBody>
+          <a:bodyPr wrap="none" rtlCol="0">
+            <a:spAutoFit/>
+          </a:bodyPr>
+          <a:lstStyle/>
+          <a:p>
+            <a:r>
+              <a:rPr lang="en-US" altLang="ko-KR" dirty="0" err="1" smtClean="0"/>
+              <a:t>Resert</a:t>
+            </a:r>
+            <a:endParaRPr lang="ko-KR" altLang="en-US" dirty="0"/>
+          </a:p>
+        </p:txBody>
+      </p:sp>
+      <p:sp>
+        <p:nvSpPr>
+          <p:cNvPr id="4" name="모서리가 둥근 직사각형 3"/>
+          <p:cNvSpPr/>
+          <p:nvPr/>
+        </p:nvSpPr>
+        <p:spPr>
+          <a:xfrm>
+            <a:off x="3269182" y="990801"/>
+            <a:ext cx="4762196" cy="5515866"/>
+          </a:xfrm>
+          <a:prstGeom prst="roundRect">
+            <a:avLst/>
+          </a:prstGeom>
+        </p:spPr>
+        <p:style>
+          <a:lnRef idx="2">
+            <a:schemeClr val="accent1">
+              <a:shade val="50000"/>
+            </a:schemeClr>
+          </a:lnRef>
+          <a:fillRef idx="1">
+            <a:schemeClr val="accent1"/>
+          </a:fillRef>
+          <a:effectRef idx="0">
+            <a:schemeClr val="accent1"/>
+          </a:effectRef>
+          <a:fontRef idx="minor">
+            <a:schemeClr val="lt1"/>
+          </a:fontRef>
+        </p:style>
+        <p:txBody>
+          <a:bodyPr rtlCol="0" anchor="ctr"/>
+          <a:lstStyle/>
+          <a:p>
+            <a:pPr algn="ctr"/>
+            <a:r>
+              <a:rPr lang="ko-KR" altLang="en-US" dirty="0" err="1" smtClean="0"/>
+              <a:t>의견창</a:t>
+            </a:r>
+            <a:endParaRPr lang="ko-KR" altLang="en-US" dirty="0"/>
+          </a:p>
+        </p:txBody>
+      </p:sp>
+      <p:sp>
+        <p:nvSpPr>
+          <p:cNvPr id="7" name="모서리가 둥근 직사각형 6"/>
+          <p:cNvSpPr/>
+          <p:nvPr/>
+        </p:nvSpPr>
+        <p:spPr>
+          <a:xfrm>
+            <a:off x="186117" y="1046206"/>
+            <a:ext cx="2767476" cy="2896948"/>
+          </a:xfrm>
+          <a:prstGeom prst="roundRect">
+            <a:avLst/>
+          </a:prstGeom>
+        </p:spPr>
+        <p:style>
+          <a:lnRef idx="2">
+            <a:schemeClr val="accent1">
+              <a:shade val="50000"/>
+            </a:schemeClr>
+          </a:lnRef>
+          <a:fillRef idx="1">
+            <a:schemeClr val="accent1"/>
+          </a:fillRef>
+          <a:effectRef idx="0">
+            <a:schemeClr val="accent1"/>
+          </a:effectRef>
+          <a:fontRef idx="minor">
+            <a:schemeClr val="lt1"/>
+          </a:fontRef>
+        </p:style>
+        <p:txBody>
+          <a:bodyPr rtlCol="0" anchor="ctr"/>
+          <a:lstStyle/>
+          <a:p>
+            <a:pPr algn="ctr"/>
+            <a:r>
+              <a:rPr lang="ko-KR" altLang="en-US" dirty="0" smtClean="0"/>
+              <a:t>정보</a:t>
+            </a:r>
+            <a:endParaRPr lang="ko-KR" altLang="en-US" dirty="0"/>
+          </a:p>
+        </p:txBody>
+      </p:sp>
+      <p:sp>
+        <p:nvSpPr>
+          <p:cNvPr id="8" name="모서리가 둥근 직사각형 7"/>
+          <p:cNvSpPr/>
+          <p:nvPr/>
+        </p:nvSpPr>
+        <p:spPr>
+          <a:xfrm>
+            <a:off x="8346967" y="990801"/>
+            <a:ext cx="3717451" cy="3463391"/>
+          </a:xfrm>
+          <a:prstGeom prst="roundRect">
+            <a:avLst/>
+          </a:prstGeom>
+        </p:spPr>
+        <p:style>
+          <a:lnRef idx="2">
+            <a:schemeClr val="accent1">
+              <a:shade val="50000"/>
+            </a:schemeClr>
+          </a:lnRef>
+          <a:fillRef idx="1">
+            <a:schemeClr val="accent1"/>
+          </a:fillRef>
+          <a:effectRef idx="0">
+            <a:schemeClr val="accent1"/>
+          </a:effectRef>
+          <a:fontRef idx="minor">
+            <a:schemeClr val="lt1"/>
+          </a:fontRef>
+        </p:style>
+        <p:txBody>
+          <a:bodyPr rtlCol="0" anchor="ctr"/>
+          <a:lstStyle/>
+          <a:p>
+            <a:pPr algn="ctr"/>
+            <a:r>
+              <a:rPr lang="ko-KR" altLang="en-US" dirty="0" smtClean="0"/>
+              <a:t>연관 순위 표</a:t>
+            </a:r>
+            <a:endParaRPr lang="ko-KR" altLang="en-US" dirty="0"/>
+          </a:p>
+        </p:txBody>
+      </p:sp>
+      <p:sp>
+        <p:nvSpPr>
+          <p:cNvPr id="13" name="TextBox 12"/>
+          <p:cNvSpPr txBox="1"/>
+          <p:nvPr/>
+        </p:nvSpPr>
+        <p:spPr>
+          <a:xfrm>
+            <a:off x="821781" y="5010176"/>
+            <a:ext cx="646331" cy="369332"/>
+          </a:xfrm>
+          <a:prstGeom prst="rect">
+            <a:avLst/>
+          </a:prstGeom>
+          <a:noFill/>
+        </p:spPr>
+        <p:txBody>
+          <a:bodyPr wrap="none" rtlCol="0">
+            <a:spAutoFit/>
+          </a:bodyPr>
+          <a:lstStyle/>
+          <a:p>
+            <a:r>
+              <a:rPr lang="ko-KR" altLang="en-US" dirty="0" smtClean="0"/>
+              <a:t>검색</a:t>
+            </a:r>
+            <a:endParaRPr lang="ko-KR" altLang="en-US" dirty="0"/>
+          </a:p>
+        </p:txBody>
+      </p:sp>
+    </p:spTree>
+    <p:extLst>
+      <p:ext uri="{BB962C8B-B14F-4D97-AF65-F5344CB8AC3E}">
+        <p14:creationId xmlns:p14="http://schemas.microsoft.com/office/powerpoint/2010/main" val="1581550562"/>
       </p:ext>
     </p:extLst>
   </p:cSld>
